--- a/Documents/Презентация ProjectPal.pptx
+++ b/Documents/Презентация ProjectPal.pptx
@@ -146,9 +146,10 @@
     <p1510:client id="{21A02E6A-9F3A-4F13-906E-F047043F28FD}" v="20" dt="2024-03-13T15:50:58.155"/>
     <p1510:client id="{30091EDF-994C-4C89-84FF-CB2E636F45E9}" v="693" dt="2024-03-13T12:54:02.380"/>
     <p1510:client id="{45FB1624-1D6B-4705-9481-6283C74FA3EC}" v="499" dt="2024-03-13T17:47:24.847"/>
+    <p1510:client id="{7E200B39-E48B-449C-A500-6CEA25F6B9C8}" v="49" dt="2024-03-15T10:22:24.547"/>
     <p1510:client id="{7FF90D5A-0F01-4104-ADCE-E769A7C88AED}" v="426" dt="2024-03-13T17:50:49.234"/>
     <p1510:client id="{B2622179-392C-4D9A-8E45-0EFCC21ABB2C}" v="665" dt="2024-03-13T16:44:05.982"/>
-    <p1510:client id="{C17654BE-5EE5-4CE2-BE1A-E2911C9B9FF9}" v="151" dt="2024-03-13T10:40:22.692"/>
+    <p1510:client id="{C0F94C09-236E-4635-ACB8-D30298F24D8C}" v="61" dt="2024-03-15T10:46:59.081"/>
   </p1510:revLst>
 </p1510:revInfo>
 </file>
@@ -300,7 +301,7 @@
           <a:p>
             <a:fld id="{6A4B53A7-3209-46A6-9454-F38EAC8F11E7}" type="datetimeFigureOut">
               <a:rPr lang="en-US" smtClean="0"/>
-              <a:t>3/13/2024</a:t>
+              <a:t>3/16/2024</a:t>
             </a:fld>
             <a:endParaRPr lang="en-US"/>
           </a:p>
@@ -551,7 +552,7 @@
           <a:p>
             <a:fld id="{6A4B53A7-3209-46A6-9454-F38EAC8F11E7}" type="datetimeFigureOut">
               <a:rPr lang="en-US" smtClean="0"/>
-              <a:t>3/13/2024</a:t>
+              <a:t>3/16/2024</a:t>
             </a:fld>
             <a:endParaRPr lang="en-US"/>
           </a:p>
@@ -812,7 +813,7 @@
           <a:p>
             <a:fld id="{6A4B53A7-3209-46A6-9454-F38EAC8F11E7}" type="datetimeFigureOut">
               <a:rPr lang="en-US" smtClean="0"/>
-              <a:t>3/13/2024</a:t>
+              <a:t>3/16/2024</a:t>
             </a:fld>
             <a:endParaRPr lang="en-US"/>
           </a:p>
@@ -1063,7 +1064,7 @@
           <a:p>
             <a:fld id="{6A4B53A7-3209-46A6-9454-F38EAC8F11E7}" type="datetimeFigureOut">
               <a:rPr lang="en-US" smtClean="0"/>
-              <a:t>3/13/2024</a:t>
+              <a:t>3/16/2024</a:t>
             </a:fld>
             <a:endParaRPr lang="en-US"/>
           </a:p>
@@ -1391,7 +1392,7 @@
           <a:p>
             <a:fld id="{6A4B53A7-3209-46A6-9454-F38EAC8F11E7}" type="datetimeFigureOut">
               <a:rPr lang="en-US" smtClean="0"/>
-              <a:t>3/13/2024</a:t>
+              <a:t>3/16/2024</a:t>
             </a:fld>
             <a:endParaRPr lang="en-US"/>
           </a:p>
@@ -1709,7 +1710,7 @@
           <a:p>
             <a:fld id="{6A4B53A7-3209-46A6-9454-F38EAC8F11E7}" type="datetimeFigureOut">
               <a:rPr lang="en-US" smtClean="0"/>
-              <a:t>3/13/2024</a:t>
+              <a:t>3/16/2024</a:t>
             </a:fld>
             <a:endParaRPr lang="en-US"/>
           </a:p>
@@ -2174,7 +2175,7 @@
           <a:p>
             <a:fld id="{6A4B53A7-3209-46A6-9454-F38EAC8F11E7}" type="datetimeFigureOut">
               <a:rPr lang="en-US" smtClean="0"/>
-              <a:t>3/13/2024</a:t>
+              <a:t>3/16/2024</a:t>
             </a:fld>
             <a:endParaRPr lang="en-US"/>
           </a:p>
@@ -2368,7 +2369,7 @@
           <a:p>
             <a:fld id="{6A4B53A7-3209-46A6-9454-F38EAC8F11E7}" type="datetimeFigureOut">
               <a:rPr lang="en-US" smtClean="0"/>
-              <a:t>3/13/2024</a:t>
+              <a:t>3/16/2024</a:t>
             </a:fld>
             <a:endParaRPr lang="en-US"/>
           </a:p>
@@ -2534,7 +2535,7 @@
           <a:p>
             <a:fld id="{6A4B53A7-3209-46A6-9454-F38EAC8F11E7}" type="datetimeFigureOut">
               <a:rPr lang="en-US" smtClean="0"/>
-              <a:t>3/13/2024</a:t>
+              <a:t>3/16/2024</a:t>
             </a:fld>
             <a:endParaRPr lang="en-US"/>
           </a:p>
@@ -2898,7 +2899,7 @@
           <a:p>
             <a:fld id="{6A4B53A7-3209-46A6-9454-F38EAC8F11E7}" type="datetimeFigureOut">
               <a:rPr lang="en-US" smtClean="0"/>
-              <a:t>3/13/2024</a:t>
+              <a:t>3/16/2024</a:t>
             </a:fld>
             <a:endParaRPr lang="en-US"/>
           </a:p>
@@ -3242,7 +3243,7 @@
           <a:p>
             <a:fld id="{6A4B53A7-3209-46A6-9454-F38EAC8F11E7}" type="datetimeFigureOut">
               <a:rPr lang="en-US" smtClean="0"/>
-              <a:t>3/13/2024</a:t>
+              <a:t>3/16/2024</a:t>
             </a:fld>
             <a:endParaRPr lang="en-US"/>
           </a:p>
@@ -3537,7 +3538,7 @@
             <a:fld id="{6A4B53A7-3209-46A6-9454-F38EAC8F11E7}" type="datetimeFigureOut">
               <a:rPr lang="en-US" smtClean="0"/>
               <a:pPr/>
-              <a:t>3/13/2024</a:t>
+              <a:t>3/16/2024</a:t>
             </a:fld>
             <a:endParaRPr lang="en-US"/>
           </a:p>
@@ -5159,7 +5160,7 @@
           <p:nvPr>
             <p:extLst>
               <p:ext uri="{D42A27DB-BD31-4B8C-83A1-F6EECF244321}">
-                <p14:modId xmlns:p14="http://schemas.microsoft.com/office/powerpoint/2010/main" val="1542402410"/>
+                <p14:modId xmlns:p14="http://schemas.microsoft.com/office/powerpoint/2010/main" val="2898601189"/>
               </p:ext>
             </p:extLst>
           </p:nvPr>
@@ -5219,7 +5220,7 @@
                             <a:schemeClr val="tx1"/>
                           </a:solidFill>
                         </a:rPr>
-                        <a:t>Недостатки</a:t>
+                        <a:t>Преимущества</a:t>
                       </a:r>
                     </a:p>
                   </a:txBody>
@@ -5241,37 +5242,22 @@
                         <a:buNone/>
                       </a:pPr>
                       <a:r>
-                        <a:rPr lang="ru-RU" sz="1800" b="0" i="0" u="none" strike="noStrike" noProof="0" err="1">
+                        <a:rPr lang="ru-RU" sz="1800" b="1" i="0" u="none" strike="noStrike" noProof="0" err="1">
                           <a:solidFill>
-                            <a:schemeClr val="tx1"/>
+                            <a:srgbClr val="000000"/>
                           </a:solidFill>
-                          <a:latin typeface="Univers"/>
                         </a:rPr>
-                        <a:t>IStudiz</a:t>
+                        <a:t>ProjectPal</a:t>
                       </a:r>
                       <a:r>
-                        <a:rPr lang="ru-RU" sz="1800" b="0" i="0" u="none" strike="noStrike" noProof="0">
+                        <a:rPr lang="ru-RU" sz="1800" b="1" i="0" u="none" strike="noStrike" noProof="0">
                           <a:solidFill>
-                            <a:schemeClr val="tx1"/>
+                            <a:srgbClr val="000000"/>
                           </a:solidFill>
-                          <a:latin typeface="Univers"/>
                         </a:rPr>
-                        <a:t> </a:t>
+                        <a:t> </a:t>
                       </a:r>
-                      <a:r>
-                        <a:rPr lang="ru-RU" sz="1800" b="0" i="0" u="none" strike="noStrike" noProof="0" err="1">
-                          <a:solidFill>
-                            <a:schemeClr val="tx1"/>
-                          </a:solidFill>
-                          <a:latin typeface="Univers"/>
-                        </a:rPr>
-                        <a:t>pro</a:t>
-                      </a:r>
-                      <a:endParaRPr lang="ru-RU">
-                        <a:solidFill>
-                          <a:schemeClr val="tx1"/>
-                        </a:solidFill>
-                      </a:endParaRPr>
+                      <a:endParaRPr lang="ru-RU"/>
                     </a:p>
                   </a:txBody>
                   <a:tcPr anchor="ctr">
@@ -5326,14 +5312,33 @@
                     <a:p>
                       <a:pPr algn="ctr"/>
                       <a:r>
-                        <a:rPr lang="ru-RU" err="1">
+                        <a:rPr lang="ru-RU" sz="1800" b="0" i="0" u="none" strike="noStrike" noProof="0" err="1">
                           <a:solidFill>
                             <a:schemeClr val="tx1"/>
                           </a:solidFill>
+                          <a:latin typeface="Univers"/>
                         </a:rPr>
-                        <a:t>ProjectPal</a:t>
+                        <a:t>IStudiz</a:t>
                       </a:r>
-                      <a:endParaRPr lang="ru-RU">
+                      <a:r>
+                        <a:rPr lang="ru-RU" sz="1800" b="0" i="0" u="none" strike="noStrike" noProof="0">
+                          <a:solidFill>
+                            <a:schemeClr val="tx1"/>
+                          </a:solidFill>
+                          <a:latin typeface="Univers"/>
+                        </a:rPr>
+                        <a:t> </a:t>
+                      </a:r>
+                      <a:r>
+                        <a:rPr lang="ru-RU" sz="1800" b="0" i="0" u="none" strike="noStrike" noProof="0" err="1">
+                          <a:solidFill>
+                            <a:schemeClr val="tx1"/>
+                          </a:solidFill>
+                          <a:latin typeface="Univers"/>
+                        </a:rPr>
+                        <a:t>pro</a:t>
+                      </a:r>
+                      <a:endParaRPr lang="ru-RU" err="1">
                         <a:solidFill>
                           <a:schemeClr val="tx1"/>
                         </a:solidFill>
@@ -5584,7 +5589,7 @@
                       <a:pPr algn="ctr"/>
                       <a:r>
                         <a:rPr lang="ru-RU"/>
-                        <a:t>-</a:t>
+                        <a:t>+</a:t>
                       </a:r>
                     </a:p>
                   </a:txBody>
@@ -5626,7 +5631,7 @@
                       <a:pPr algn="ctr"/>
                       <a:r>
                         <a:rPr lang="ru-RU"/>
-                        <a:t>+</a:t>
+                        <a:t>-</a:t>
                       </a:r>
                     </a:p>
                   </a:txBody>
@@ -5675,7 +5680,7 @@
                       <a:pPr algn="ctr"/>
                       <a:r>
                         <a:rPr lang="ru-RU"/>
-                        <a:t>-</a:t>
+                        <a:t>+</a:t>
                       </a:r>
                     </a:p>
                   </a:txBody>
@@ -9694,6 +9699,36 @@
           </a:p>
         </p:txBody>
       </p:sp>
+      <p:pic>
+        <p:nvPicPr>
+          <p:cNvPr id="2" name="Рисунок 1" descr="Изображение выглядит как текст, мультфильм, снимок экрана, графическая вставка&#10;&#10;Автоматически созданное описание">
+            <a:extLst>
+              <a:ext uri="{FF2B5EF4-FFF2-40B4-BE49-F238E27FC236}">
+                <a16:creationId xmlns:a16="http://schemas.microsoft.com/office/drawing/2014/main" id="{82670CB1-E3F6-F757-828A-C99B0FB989C6}"/>
+              </a:ext>
+            </a:extLst>
+          </p:cNvPr>
+          <p:cNvPicPr>
+            <a:picLocks noChangeAspect="1"/>
+          </p:cNvPicPr>
+          <p:nvPr/>
+        </p:nvPicPr>
+        <p:blipFill>
+          <a:blip r:embed="rId2"/>
+          <a:stretch>
+            <a:fillRect/>
+          </a:stretch>
+        </p:blipFill>
+        <p:spPr>
+          <a:xfrm>
+            <a:off x="1639403" y="2876273"/>
+            <a:ext cx="3562627" cy="3562627"/>
+          </a:xfrm>
+          <a:prstGeom prst="rect">
+            <a:avLst/>
+          </a:prstGeom>
+        </p:spPr>
+      </p:pic>
     </p:spTree>
     <p:extLst>
       <p:ext uri="{BB962C8B-B14F-4D97-AF65-F5344CB8AC3E}">

--- a/Documents/Презентация ProjectPal.pptx
+++ b/Documents/Презентация ProjectPal.pptx
@@ -11255,17 +11255,12 @@
           <a:lstStyle/>
           <a:p>
             <a:r>
-              <a:rPr lang="ru-RU" sz="2400">
-                <a:latin typeface="Times New Roman"/>
-                <a:ea typeface="+mn-lt"/>
-                <a:cs typeface="+mn-lt"/>
-              </a:rPr>
-              <a:t>Огромное множество модулей</a:t>
-            </a:r>
-            <a:endParaRPr lang="ru-RU" sz="2400">
-              <a:latin typeface="Times New Roman"/>
-              <a:cs typeface="Times New Roman"/>
-            </a:endParaRPr>
+              <a:rPr lang="ru-RU" sz="2400" dirty="0">
+                <a:latin typeface="Times New Roman"/>
+                <a:cs typeface="Times New Roman"/>
+              </a:rPr>
+              <a:t>Ускоряет разработку </a:t>
+            </a:r>
           </a:p>
         </p:txBody>
       </p:sp>

--- a/Documents/Презентация ProjectPal.pptx
+++ b/Documents/Презентация ProjectPal.pptx
@@ -142,14 +142,7 @@
 <file path=ppt/revisionInfo.xml><?xml version="1.0" encoding="utf-8"?>
 <p1510:revInfo xmlns:a="http://schemas.openxmlformats.org/drawingml/2006/main" xmlns:r="http://schemas.openxmlformats.org/officeDocument/2006/relationships" xmlns:p1510="http://schemas.microsoft.com/office/powerpoint/2015/10/main">
   <p1510:revLst>
-    <p1510:client id="{0F4DA9E6-DF95-4EBD-A25B-828260D69290}" v="60" dt="2024-03-13T15:49:50.458"/>
-    <p1510:client id="{21A02E6A-9F3A-4F13-906E-F047043F28FD}" v="20" dt="2024-03-13T15:50:58.155"/>
-    <p1510:client id="{30091EDF-994C-4C89-84FF-CB2E636F45E9}" v="693" dt="2024-03-13T12:54:02.380"/>
-    <p1510:client id="{45FB1624-1D6B-4705-9481-6283C74FA3EC}" v="499" dt="2024-03-13T17:47:24.847"/>
-    <p1510:client id="{7E200B39-E48B-449C-A500-6CEA25F6B9C8}" v="49" dt="2024-03-15T10:22:24.547"/>
-    <p1510:client id="{7FF90D5A-0F01-4104-ADCE-E769A7C88AED}" v="426" dt="2024-03-13T17:50:49.234"/>
-    <p1510:client id="{B2622179-392C-4D9A-8E45-0EFCC21ABB2C}" v="665" dt="2024-03-13T16:44:05.982"/>
-    <p1510:client id="{C0F94C09-236E-4635-ACB8-D30298F24D8C}" v="61" dt="2024-03-15T10:46:59.081"/>
+    <p1510:client id="{B00A5AC0-E7AF-4458-876D-BA46F335A095}" v="33" dt="2024-03-17T10:55:53.635"/>
   </p1510:revLst>
 </p1510:revInfo>
 </file>
@@ -301,7 +294,7 @@
           <a:p>
             <a:fld id="{6A4B53A7-3209-46A6-9454-F38EAC8F11E7}" type="datetimeFigureOut">
               <a:rPr lang="en-US" smtClean="0"/>
-              <a:t>3/16/2024</a:t>
+              <a:t>3/17/2024</a:t>
             </a:fld>
             <a:endParaRPr lang="en-US"/>
           </a:p>
@@ -552,7 +545,7 @@
           <a:p>
             <a:fld id="{6A4B53A7-3209-46A6-9454-F38EAC8F11E7}" type="datetimeFigureOut">
               <a:rPr lang="en-US" smtClean="0"/>
-              <a:t>3/16/2024</a:t>
+              <a:t>3/17/2024</a:t>
             </a:fld>
             <a:endParaRPr lang="en-US"/>
           </a:p>
@@ -813,7 +806,7 @@
           <a:p>
             <a:fld id="{6A4B53A7-3209-46A6-9454-F38EAC8F11E7}" type="datetimeFigureOut">
               <a:rPr lang="en-US" smtClean="0"/>
-              <a:t>3/16/2024</a:t>
+              <a:t>3/17/2024</a:t>
             </a:fld>
             <a:endParaRPr lang="en-US"/>
           </a:p>
@@ -1064,7 +1057,7 @@
           <a:p>
             <a:fld id="{6A4B53A7-3209-46A6-9454-F38EAC8F11E7}" type="datetimeFigureOut">
               <a:rPr lang="en-US" smtClean="0"/>
-              <a:t>3/16/2024</a:t>
+              <a:t>3/17/2024</a:t>
             </a:fld>
             <a:endParaRPr lang="en-US"/>
           </a:p>
@@ -1392,7 +1385,7 @@
           <a:p>
             <a:fld id="{6A4B53A7-3209-46A6-9454-F38EAC8F11E7}" type="datetimeFigureOut">
               <a:rPr lang="en-US" smtClean="0"/>
-              <a:t>3/16/2024</a:t>
+              <a:t>3/17/2024</a:t>
             </a:fld>
             <a:endParaRPr lang="en-US"/>
           </a:p>
@@ -1710,7 +1703,7 @@
           <a:p>
             <a:fld id="{6A4B53A7-3209-46A6-9454-F38EAC8F11E7}" type="datetimeFigureOut">
               <a:rPr lang="en-US" smtClean="0"/>
-              <a:t>3/16/2024</a:t>
+              <a:t>3/17/2024</a:t>
             </a:fld>
             <a:endParaRPr lang="en-US"/>
           </a:p>
@@ -2175,7 +2168,7 @@
           <a:p>
             <a:fld id="{6A4B53A7-3209-46A6-9454-F38EAC8F11E7}" type="datetimeFigureOut">
               <a:rPr lang="en-US" smtClean="0"/>
-              <a:t>3/16/2024</a:t>
+              <a:t>3/17/2024</a:t>
             </a:fld>
             <a:endParaRPr lang="en-US"/>
           </a:p>
@@ -2369,7 +2362,7 @@
           <a:p>
             <a:fld id="{6A4B53A7-3209-46A6-9454-F38EAC8F11E7}" type="datetimeFigureOut">
               <a:rPr lang="en-US" smtClean="0"/>
-              <a:t>3/16/2024</a:t>
+              <a:t>3/17/2024</a:t>
             </a:fld>
             <a:endParaRPr lang="en-US"/>
           </a:p>
@@ -2535,7 +2528,7 @@
           <a:p>
             <a:fld id="{6A4B53A7-3209-46A6-9454-F38EAC8F11E7}" type="datetimeFigureOut">
               <a:rPr lang="en-US" smtClean="0"/>
-              <a:t>3/16/2024</a:t>
+              <a:t>3/17/2024</a:t>
             </a:fld>
             <a:endParaRPr lang="en-US"/>
           </a:p>
@@ -2899,7 +2892,7 @@
           <a:p>
             <a:fld id="{6A4B53A7-3209-46A6-9454-F38EAC8F11E7}" type="datetimeFigureOut">
               <a:rPr lang="en-US" smtClean="0"/>
-              <a:t>3/16/2024</a:t>
+              <a:t>3/17/2024</a:t>
             </a:fld>
             <a:endParaRPr lang="en-US"/>
           </a:p>
@@ -3243,7 +3236,7 @@
           <a:p>
             <a:fld id="{6A4B53A7-3209-46A6-9454-F38EAC8F11E7}" type="datetimeFigureOut">
               <a:rPr lang="en-US" smtClean="0"/>
-              <a:t>3/16/2024</a:t>
+              <a:t>3/17/2024</a:t>
             </a:fld>
             <a:endParaRPr lang="en-US"/>
           </a:p>
@@ -3538,7 +3531,7 @@
             <a:fld id="{6A4B53A7-3209-46A6-9454-F38EAC8F11E7}" type="datetimeFigureOut">
               <a:rPr lang="en-US" smtClean="0"/>
               <a:pPr/>
-              <a:t>3/16/2024</a:t>
+              <a:t>3/17/2024</a:t>
             </a:fld>
             <a:endParaRPr lang="en-US"/>
           </a:p>
@@ -5160,7 +5153,7 @@
           <p:nvPr>
             <p:extLst>
               <p:ext uri="{D42A27DB-BD31-4B8C-83A1-F6EECF244321}">
-                <p14:modId xmlns:p14="http://schemas.microsoft.com/office/powerpoint/2010/main" val="2898601189"/>
+                <p14:modId xmlns:p14="http://schemas.microsoft.com/office/powerpoint/2010/main" val="1810582940"/>
               </p:ext>
             </p:extLst>
           </p:nvPr>
@@ -5215,7 +5208,7 @@
                         <a:buNone/>
                       </a:pPr>
                       <a:r>
-                        <a:rPr lang="ru-RU">
+                        <a:rPr lang="ru-RU" dirty="0">
                           <a:solidFill>
                             <a:schemeClr val="tx1"/>
                           </a:solidFill>
@@ -5242,7 +5235,7 @@
                         <a:buNone/>
                       </a:pPr>
                       <a:r>
-                        <a:rPr lang="ru-RU" sz="1800" b="1" i="0" u="none" strike="noStrike" noProof="0" err="1">
+                        <a:rPr lang="ru-RU" sz="1800" b="1" i="0" u="none" strike="noStrike" noProof="0" dirty="0" err="1">
                           <a:solidFill>
                             <a:srgbClr val="000000"/>
                           </a:solidFill>
@@ -5250,14 +5243,14 @@
                         <a:t>ProjectPal</a:t>
                       </a:r>
                       <a:r>
-                        <a:rPr lang="ru-RU" sz="1800" b="1" i="0" u="none" strike="noStrike" noProof="0">
+                        <a:rPr lang="ru-RU" sz="1800" b="1" i="0" u="none" strike="noStrike" noProof="0" dirty="0">
                           <a:solidFill>
                             <a:srgbClr val="000000"/>
                           </a:solidFill>
                         </a:rPr>
                         <a:t> </a:t>
                       </a:r>
-                      <a:endParaRPr lang="ru-RU"/>
+                      <a:endParaRPr lang="ru-RU" dirty="0"/>
                     </a:p>
                   </a:txBody>
                   <a:tcPr anchor="ctr">
@@ -5312,7 +5305,7 @@
                     <a:p>
                       <a:pPr algn="ctr"/>
                       <a:r>
-                        <a:rPr lang="ru-RU" sz="1800" b="0" i="0" u="none" strike="noStrike" noProof="0" err="1">
+                        <a:rPr lang="ru-RU" sz="1800" b="0" i="0" u="none" strike="noStrike" noProof="0" dirty="0" err="1">
                           <a:solidFill>
                             <a:schemeClr val="tx1"/>
                           </a:solidFill>
@@ -5321,7 +5314,7 @@
                         <a:t>IStudiz</a:t>
                       </a:r>
                       <a:r>
-                        <a:rPr lang="ru-RU" sz="1800" b="0" i="0" u="none" strike="noStrike" noProof="0">
+                        <a:rPr lang="ru-RU" sz="1800" b="0" i="0" u="none" strike="noStrike" noProof="0" dirty="0">
                           <a:solidFill>
                             <a:schemeClr val="tx1"/>
                           </a:solidFill>
@@ -5330,7 +5323,7 @@
                         <a:t> </a:t>
                       </a:r>
                       <a:r>
-                        <a:rPr lang="ru-RU" sz="1800" b="0" i="0" u="none" strike="noStrike" noProof="0" err="1">
+                        <a:rPr lang="ru-RU" sz="1800" b="0" i="0" u="none" strike="noStrike" noProof="0" dirty="0" err="1">
                           <a:solidFill>
                             <a:schemeClr val="tx1"/>
                           </a:solidFill>
@@ -5338,7 +5331,7 @@
                         </a:rPr>
                         <a:t>pro</a:t>
                       </a:r>
-                      <a:endParaRPr lang="ru-RU" err="1">
+                      <a:endParaRPr lang="ru-RU" dirty="0" err="1">
                         <a:solidFill>
                           <a:schemeClr val="tx1"/>
                         </a:solidFill>
@@ -5370,8 +5363,10 @@
                         <a:buNone/>
                       </a:pPr>
                       <a:r>
-                        <a:rPr lang="ru-RU"/>
-                        <a:t>Удобный интерфейс</a:t>
+                        <a:rPr lang="ru-RU" sz="1800" b="0" i="0" u="none" strike="noStrike" noProof="0" dirty="0">
+                          <a:latin typeface="Univers"/>
+                        </a:rPr>
+                        <a:t>Интуитивно понятный интерфейс</a:t>
                       </a:r>
                     </a:p>
                   </a:txBody>
@@ -5391,7 +5386,7 @@
                     <a:p>
                       <a:pPr algn="ctr"/>
                       <a:r>
-                        <a:rPr lang="ru-RU"/>
+                        <a:rPr lang="ru-RU" dirty="0"/>
                         <a:t>+</a:t>
                       </a:r>
                     </a:p>
@@ -5412,7 +5407,7 @@
                     <a:p>
                       <a:pPr algn="ctr"/>
                       <a:r>
-                        <a:rPr lang="ru-RU"/>
+                        <a:rPr lang="ru-RU" dirty="0"/>
                         <a:t>+</a:t>
                       </a:r>
                     </a:p>
@@ -5435,7 +5430,7 @@
                         <a:buNone/>
                       </a:pPr>
                       <a:r>
-                        <a:rPr lang="ru-RU"/>
+                        <a:rPr lang="ru-RU" dirty="0"/>
                         <a:t>+</a:t>
                       </a:r>
                     </a:p>
@@ -5463,7 +5458,7 @@
                     <a:p>
                       <a:pPr algn="ctr"/>
                       <a:r>
-                        <a:rPr lang="ru-RU"/>
+                        <a:rPr lang="ru-RU" dirty="0"/>
                         <a:t>Обратная связи с преподавателем</a:t>
                       </a:r>
                     </a:p>
@@ -5484,7 +5479,7 @@
                     <a:p>
                       <a:pPr algn="ctr"/>
                       <a:r>
-                        <a:rPr lang="ru-RU"/>
+                        <a:rPr lang="ru-RU" dirty="0"/>
                         <a:t>+</a:t>
                       </a:r>
                     </a:p>
@@ -5505,7 +5500,7 @@
                     <a:p>
                       <a:pPr algn="ctr"/>
                       <a:r>
-                        <a:rPr lang="ru-RU"/>
+                        <a:rPr lang="ru-RU" dirty="0"/>
                         <a:t>-</a:t>
                       </a:r>
                     </a:p>
@@ -5526,7 +5521,7 @@
                     <a:p>
                       <a:pPr algn="ctr"/>
                       <a:r>
-                        <a:rPr lang="ru-RU"/>
+                        <a:rPr lang="ru-RU" dirty="0"/>
                         <a:t>-</a:t>
                       </a:r>
                     </a:p>
@@ -5554,11 +5549,11 @@
                     <a:p>
                       <a:pPr algn="ctr"/>
                       <a:r>
-                        <a:rPr lang="ru-RU" err="1"/>
+                        <a:rPr lang="ru-RU" dirty="0" err="1"/>
                         <a:t>Отсуствие</a:t>
                       </a:r>
                       <a:r>
-                        <a:rPr lang="ru-RU"/>
+                        <a:rPr lang="ru-RU" dirty="0"/>
                         <a:t> платной</a:t>
                       </a:r>
                     </a:p>
@@ -5567,7 +5562,7 @@
                         <a:buNone/>
                       </a:pPr>
                       <a:r>
-                        <a:rPr lang="ru-RU"/>
+                        <a:rPr lang="ru-RU" dirty="0"/>
                         <a:t> подписки</a:t>
                       </a:r>
                     </a:p>
@@ -5588,7 +5583,7 @@
                     <a:p>
                       <a:pPr algn="ctr"/>
                       <a:r>
-                        <a:rPr lang="ru-RU"/>
+                        <a:rPr lang="ru-RU" dirty="0"/>
                         <a:t>+</a:t>
                       </a:r>
                     </a:p>
@@ -5609,7 +5604,7 @@
                     <a:p>
                       <a:pPr algn="ctr"/>
                       <a:r>
-                        <a:rPr lang="ru-RU"/>
+                        <a:rPr lang="ru-RU" dirty="0"/>
                         <a:t>+</a:t>
                       </a:r>
                     </a:p>
@@ -5630,7 +5625,7 @@
                     <a:p>
                       <a:pPr algn="ctr"/>
                       <a:r>
-                        <a:rPr lang="ru-RU"/>
+                        <a:rPr lang="ru-RU" dirty="0"/>
                         <a:t>-</a:t>
                       </a:r>
                     </a:p>
@@ -5658,7 +5653,7 @@
                     <a:p>
                       <a:pPr algn="ctr"/>
                       <a:r>
-                        <a:rPr lang="ru-RU"/>
+                        <a:rPr lang="ru-RU" dirty="0"/>
                         <a:t>Уведомления о приближающихся сроках сдачи</a:t>
                       </a:r>
                     </a:p>
@@ -5679,7 +5674,7 @@
                     <a:p>
                       <a:pPr algn="ctr"/>
                       <a:r>
-                        <a:rPr lang="ru-RU"/>
+                        <a:rPr lang="ru-RU" dirty="0"/>
                         <a:t>+</a:t>
                       </a:r>
                     </a:p>
@@ -5700,7 +5695,7 @@
                     <a:p>
                       <a:pPr algn="ctr"/>
                       <a:r>
-                        <a:rPr lang="ru-RU"/>
+                        <a:rPr lang="ru-RU" dirty="0"/>
                         <a:t>-</a:t>
                       </a:r>
                     </a:p>
@@ -5721,7 +5716,7 @@
                     <a:p>
                       <a:pPr algn="ctr"/>
                       <a:r>
-                        <a:rPr lang="ru-RU"/>
+                        <a:rPr lang="ru-RU" dirty="0"/>
                         <a:t>+</a:t>
                       </a:r>
                     </a:p>
@@ -11257,10 +11252,15 @@
             <a:r>
               <a:rPr lang="ru-RU" sz="2400" dirty="0">
                 <a:latin typeface="Times New Roman"/>
+                <a:ea typeface="+mn-lt"/>
                 <a:cs typeface="Times New Roman"/>
               </a:rPr>
-              <a:t>Ускоряет разработку </a:t>
-            </a:r>
+              <a:t>Ускоряет разработку</a:t>
+            </a:r>
+            <a:endParaRPr lang="ru-RU" dirty="0">
+              <a:latin typeface="Univers"/>
+              <a:cs typeface="Times New Roman"/>
+            </a:endParaRPr>
           </a:p>
         </p:txBody>
       </p:sp>
